--- a/_lectures/week01/lecture_course_intro_photos_only.pptx
+++ b/_lectures/week01/lecture_course_intro_photos_only.pptx
@@ -5,11 +5,12 @@
     <p:sldMasterId id="2147483648" r:id="rId1"/>
   </p:sldMasterIdLst>
   <p:notesMasterIdLst>
-    <p:notesMasterId r:id="rId4"/>
+    <p:notesMasterId r:id="rId5"/>
   </p:notesMasterIdLst>
   <p:sldIdLst>
     <p:sldId id="278" r:id="rId2"/>
     <p:sldId id="551" r:id="rId3"/>
+    <p:sldId id="552" r:id="rId4"/>
   </p:sldIdLst>
   <p:sldSz cx="12192000" cy="6858000"/>
   <p:notesSz cx="6858000" cy="12192000"/>
@@ -1483,6 +1484,337 @@
 </p:sld>
 </file>
 
+<file path=ppt/slides/slide3.xml><?xml version="1.0" encoding="utf-8"?>
+<p:sld xmlns:a="http://schemas.openxmlformats.org/drawingml/2006/main" xmlns:r="http://schemas.openxmlformats.org/officeDocument/2006/relationships" xmlns:p="http://schemas.openxmlformats.org/presentationml/2006/main">
+  <p:cSld>
+    <p:spTree>
+      <p:nvGrpSpPr>
+        <p:cNvPr id="1" name=""/>
+        <p:cNvGrpSpPr/>
+        <p:nvPr/>
+      </p:nvGrpSpPr>
+      <p:grpSpPr>
+        <a:xfrm>
+          <a:off x="0" y="0"/>
+          <a:ext cx="0" cy="0"/>
+          <a:chOff x="0" y="0"/>
+          <a:chExt cx="0" cy="0"/>
+        </a:xfrm>
+      </p:grpSpPr>
+      <p:grpSp>
+        <p:nvGrpSpPr>
+          <p:cNvPr id="14" name="Group 13">
+            <a:extLst>
+              <a:ext uri="{FF2B5EF4-FFF2-40B4-BE49-F238E27FC236}">
+                <a16:creationId xmlns:a16="http://schemas.microsoft.com/office/drawing/2014/main" id="{9411A30B-61CA-C1DF-2283-4BD3116EC1BA}"/>
+              </a:ext>
+            </a:extLst>
+          </p:cNvPr>
+          <p:cNvGrpSpPr/>
+          <p:nvPr/>
+        </p:nvGrpSpPr>
+        <p:grpSpPr>
+          <a:xfrm>
+            <a:off x="483197" y="507764"/>
+            <a:ext cx="4221233" cy="5972672"/>
+            <a:chOff x="136356" y="236550"/>
+            <a:chExt cx="3594489" cy="5161982"/>
+          </a:xfrm>
+        </p:grpSpPr>
+        <p:pic>
+          <p:nvPicPr>
+            <p:cNvPr id="9" name="Picture 8" descr="A person in a wheelchair posing with a statue of a lion&#10;&#10;Description automatically generated">
+              <a:extLst>
+                <a:ext uri="{FF2B5EF4-FFF2-40B4-BE49-F238E27FC236}">
+                  <a16:creationId xmlns:a16="http://schemas.microsoft.com/office/drawing/2014/main" id="{2A3E67B6-5CEA-1824-0E79-CC6CFB4C2B7B}"/>
+                </a:ext>
+              </a:extLst>
+            </p:cNvPr>
+            <p:cNvPicPr>
+              <a:picLocks noChangeAspect="1"/>
+            </p:cNvPicPr>
+            <p:nvPr/>
+          </p:nvPicPr>
+          <p:blipFill>
+            <a:blip r:embed="rId2" cstate="print">
+              <a:extLst>
+                <a:ext uri="{28A0092B-C50C-407E-A947-70E740481C1C}">
+                  <a14:useLocalDpi xmlns:a14="http://schemas.microsoft.com/office/drawing/2010/main" val="0"/>
+                </a:ext>
+              </a:extLst>
+            </a:blip>
+            <a:stretch>
+              <a:fillRect/>
+            </a:stretch>
+          </p:blipFill>
+          <p:spPr>
+            <a:xfrm>
+              <a:off x="136357" y="236550"/>
+              <a:ext cx="3594488" cy="4792650"/>
+            </a:xfrm>
+            <a:prstGeom prst="rect">
+              <a:avLst/>
+            </a:prstGeom>
+          </p:spPr>
+        </p:pic>
+        <p:sp>
+          <p:nvSpPr>
+            <p:cNvPr id="12" name="TextBox 11">
+              <a:extLst>
+                <a:ext uri="{FF2B5EF4-FFF2-40B4-BE49-F238E27FC236}">
+                  <a16:creationId xmlns:a16="http://schemas.microsoft.com/office/drawing/2014/main" id="{285895C6-5322-0685-431B-648ABF9E9758}"/>
+                </a:ext>
+              </a:extLst>
+            </p:cNvPr>
+            <p:cNvSpPr txBox="1"/>
+            <p:nvPr/>
+          </p:nvSpPr>
+          <p:spPr>
+            <a:xfrm>
+              <a:off x="136356" y="5029200"/>
+              <a:ext cx="3594488" cy="369332"/>
+            </a:xfrm>
+            <a:prstGeom prst="rect">
+              <a:avLst/>
+            </a:prstGeom>
+            <a:solidFill>
+              <a:srgbClr val="00B0F0"/>
+            </a:solidFill>
+          </p:spPr>
+          <p:txBody>
+            <a:bodyPr wrap="square">
+              <a:spAutoFit/>
+            </a:bodyPr>
+            <a:lstStyle>
+              <a:defPPr>
+                <a:defRPr lang="en-US"/>
+              </a:defPPr>
+              <a:lvl1pPr algn="ctr">
+                <a:defRPr>
+                  <a:latin typeface="+mn-lt"/>
+                </a:defRPr>
+              </a:lvl1pPr>
+            </a:lstStyle>
+            <a:p>
+              <a:r>
+                <a:rPr lang="en-US" dirty="0"/>
+                <a:t>Chicago with wife Jackie</a:t>
+              </a:r>
+            </a:p>
+          </p:txBody>
+        </p:sp>
+      </p:grpSp>
+      <p:grpSp>
+        <p:nvGrpSpPr>
+          <p:cNvPr id="16" name="Group 15">
+            <a:extLst>
+              <a:ext uri="{FF2B5EF4-FFF2-40B4-BE49-F238E27FC236}">
+                <a16:creationId xmlns:a16="http://schemas.microsoft.com/office/drawing/2014/main" id="{11E62671-F8FF-F862-97EA-E0A98895210B}"/>
+              </a:ext>
+            </a:extLst>
+          </p:cNvPr>
+          <p:cNvGrpSpPr/>
+          <p:nvPr/>
+        </p:nvGrpSpPr>
+        <p:grpSpPr>
+          <a:xfrm>
+            <a:off x="6977982" y="157244"/>
+            <a:ext cx="3741316" cy="2362200"/>
+            <a:chOff x="5178494" y="76202"/>
+            <a:chExt cx="3741316" cy="2362200"/>
+          </a:xfrm>
+        </p:grpSpPr>
+        <p:pic>
+          <p:nvPicPr>
+            <p:cNvPr id="8" name="Picture 7" descr="A picture containing text, indoor, projector&#10;&#10;Description automatically generated">
+              <a:extLst>
+                <a:ext uri="{FF2B5EF4-FFF2-40B4-BE49-F238E27FC236}">
+                  <a16:creationId xmlns:a16="http://schemas.microsoft.com/office/drawing/2014/main" id="{0E4A2B5C-D76E-6491-C30E-F34D18EBA38C}"/>
+                </a:ext>
+              </a:extLst>
+            </p:cNvPr>
+            <p:cNvPicPr>
+              <a:picLocks noChangeAspect="1"/>
+            </p:cNvPicPr>
+            <p:nvPr/>
+          </p:nvPicPr>
+          <p:blipFill rotWithShape="1">
+            <a:blip r:embed="rId3" cstate="print">
+              <a:extLst>
+                <a:ext uri="{28A0092B-C50C-407E-A947-70E740481C1C}">
+                  <a14:useLocalDpi xmlns:a14="http://schemas.microsoft.com/office/drawing/2010/main" val="0"/>
+                </a:ext>
+              </a:extLst>
+            </a:blip>
+            <a:srcRect r="36382"/>
+            <a:stretch/>
+          </p:blipFill>
+          <p:spPr>
+            <a:xfrm rot="5400000">
+              <a:off x="5855490" y="-599241"/>
+              <a:ext cx="2362200" cy="3713085"/>
+            </a:xfrm>
+            <a:prstGeom prst="rect">
+              <a:avLst/>
+            </a:prstGeom>
+          </p:spPr>
+        </p:pic>
+        <p:sp>
+          <p:nvSpPr>
+            <p:cNvPr id="13" name="TextBox 12">
+              <a:extLst>
+                <a:ext uri="{FF2B5EF4-FFF2-40B4-BE49-F238E27FC236}">
+                  <a16:creationId xmlns:a16="http://schemas.microsoft.com/office/drawing/2014/main" id="{E7C75832-3185-A546-ADC1-6119EAD61EFE}"/>
+                </a:ext>
+              </a:extLst>
+            </p:cNvPr>
+            <p:cNvSpPr txBox="1"/>
+            <p:nvPr/>
+          </p:nvSpPr>
+          <p:spPr>
+            <a:xfrm>
+              <a:off x="5178494" y="2069070"/>
+              <a:ext cx="3741316" cy="369332"/>
+            </a:xfrm>
+            <a:prstGeom prst="rect">
+              <a:avLst/>
+            </a:prstGeom>
+            <a:solidFill>
+              <a:srgbClr val="00B0F0"/>
+            </a:solidFill>
+          </p:spPr>
+          <p:txBody>
+            <a:bodyPr wrap="square">
+              <a:spAutoFit/>
+            </a:bodyPr>
+            <a:lstStyle/>
+            <a:p>
+              <a:pPr algn="ctr"/>
+              <a:r>
+                <a:rPr lang="en-US" dirty="0">
+                  <a:latin typeface="+mn-lt"/>
+                </a:rPr>
+                <a:t>Band</a:t>
+              </a:r>
+            </a:p>
+          </p:txBody>
+        </p:sp>
+      </p:grpSp>
+      <p:grpSp>
+        <p:nvGrpSpPr>
+          <p:cNvPr id="2" name="Group 1">
+            <a:extLst>
+              <a:ext uri="{FF2B5EF4-FFF2-40B4-BE49-F238E27FC236}">
+                <a16:creationId xmlns:a16="http://schemas.microsoft.com/office/drawing/2014/main" id="{78492172-D79B-9BAA-A685-5328D562BAC9}"/>
+              </a:ext>
+            </a:extLst>
+          </p:cNvPr>
+          <p:cNvGrpSpPr/>
+          <p:nvPr/>
+        </p:nvGrpSpPr>
+        <p:grpSpPr>
+          <a:xfrm>
+            <a:off x="7329267" y="2835002"/>
+            <a:ext cx="2771982" cy="3501498"/>
+            <a:chOff x="4148961" y="2544413"/>
+            <a:chExt cx="2986629" cy="3879332"/>
+          </a:xfrm>
+        </p:grpSpPr>
+        <p:pic>
+          <p:nvPicPr>
+            <p:cNvPr id="3" name="Picture 2" descr="A baby with its mouth open&#10;&#10;Description automatically generated">
+              <a:extLst>
+                <a:ext uri="{FF2B5EF4-FFF2-40B4-BE49-F238E27FC236}">
+                  <a16:creationId xmlns:a16="http://schemas.microsoft.com/office/drawing/2014/main" id="{1719DBE0-9FBF-D69C-44C8-ACC36C09D1CB}"/>
+                </a:ext>
+              </a:extLst>
+            </p:cNvPr>
+            <p:cNvPicPr>
+              <a:picLocks noChangeAspect="1"/>
+            </p:cNvPicPr>
+            <p:nvPr/>
+          </p:nvPicPr>
+          <p:blipFill rotWithShape="1">
+            <a:blip r:embed="rId4">
+              <a:extLst>
+                <a:ext uri="{28A0092B-C50C-407E-A947-70E740481C1C}">
+                  <a14:useLocalDpi xmlns:a14="http://schemas.microsoft.com/office/drawing/2010/main" val="0"/>
+                </a:ext>
+              </a:extLst>
+            </a:blip>
+            <a:srcRect l="9270" t="18348" r="-1" b="726"/>
+            <a:stretch/>
+          </p:blipFill>
+          <p:spPr>
+            <a:xfrm>
+              <a:off x="4148961" y="2544413"/>
+              <a:ext cx="2986628" cy="3551795"/>
+            </a:xfrm>
+            <a:prstGeom prst="rect">
+              <a:avLst/>
+            </a:prstGeom>
+          </p:spPr>
+        </p:pic>
+        <p:sp>
+          <p:nvSpPr>
+            <p:cNvPr id="4" name="TextBox 3">
+              <a:extLst>
+                <a:ext uri="{FF2B5EF4-FFF2-40B4-BE49-F238E27FC236}">
+                  <a16:creationId xmlns:a16="http://schemas.microsoft.com/office/drawing/2014/main" id="{4BB0D286-ECC7-FF78-C86B-B991C8C3B4D4}"/>
+                </a:ext>
+              </a:extLst>
+            </p:cNvPr>
+            <p:cNvSpPr txBox="1"/>
+            <p:nvPr/>
+          </p:nvSpPr>
+          <p:spPr>
+            <a:xfrm>
+              <a:off x="4148961" y="6098398"/>
+              <a:ext cx="2986629" cy="325347"/>
+            </a:xfrm>
+            <a:prstGeom prst="rect">
+              <a:avLst/>
+            </a:prstGeom>
+            <a:solidFill>
+              <a:srgbClr val="00B0F0"/>
+            </a:solidFill>
+          </p:spPr>
+          <p:txBody>
+            <a:bodyPr wrap="square">
+              <a:spAutoFit/>
+            </a:bodyPr>
+            <a:lstStyle>
+              <a:defPPr>
+                <a:defRPr lang="en-US"/>
+              </a:defPPr>
+              <a:lvl1pPr algn="ctr">
+                <a:defRPr>
+                  <a:latin typeface="+mn-lt"/>
+                </a:defRPr>
+              </a:lvl1pPr>
+            </a:lstStyle>
+            <a:p>
+              <a:r>
+                <a:rPr lang="en-US" dirty="0"/>
+                <a:t>New niece Magnolia</a:t>
+              </a:r>
+            </a:p>
+          </p:txBody>
+        </p:sp>
+      </p:grpSp>
+    </p:spTree>
+    <p:extLst>
+      <p:ext uri="{BB962C8B-B14F-4D97-AF65-F5344CB8AC3E}">
+        <p14:creationId xmlns:p14="http://schemas.microsoft.com/office/powerpoint/2010/main" val="3092513465"/>
+      </p:ext>
+    </p:extLst>
+  </p:cSld>
+  <p:clrMapOvr>
+    <a:masterClrMapping/>
+  </p:clrMapOvr>
+</p:sld>
+</file>
+
 <file path=ppt/theme/theme1.xml><?xml version="1.0" encoding="utf-8"?>
 <a:theme xmlns:a="http://schemas.openxmlformats.org/drawingml/2006/main" name="Office Theme">
   <a:themeElements>
